--- a/Детективы.pptx
+++ b/Детективы.pptx
@@ -114,6 +114,11 @@
       </a:defRPr>
     </a:lvl9pPr>
   </p:defaultTextStyle>
+  <p:extLst>
+    <p:ext uri="{EFAFB233-063F-42B5-8137-9DF3F51BA10A}">
+      <p15:sldGuideLst xmlns:p15="http://schemas.microsoft.com/office/powerpoint/2012/main"/>
+    </p:ext>
+  </p:extLst>
 </p:presentation>
 </file>
 
@@ -330,7 +335,7 @@
           <a:p>
             <a:fld id="{DA86E691-4DA4-48E5-BEB0-C416232A7A24}" type="datetimeFigureOut">
               <a:rPr lang="ru-RU" smtClean="0"/>
-              <a:t>08.04.2020</a:t>
+              <a:t>10.05.2020</a:t>
             </a:fld>
             <a:endParaRPr lang="ru-RU"/>
           </a:p>
@@ -621,7 +626,7 @@
           <a:p>
             <a:fld id="{DA86E691-4DA4-48E5-BEB0-C416232A7A24}" type="datetimeFigureOut">
               <a:rPr lang="ru-RU" smtClean="0"/>
-              <a:t>08.04.2020</a:t>
+              <a:t>10.05.2020</a:t>
             </a:fld>
             <a:endParaRPr lang="ru-RU"/>
           </a:p>
@@ -880,7 +885,7 @@
           <a:p>
             <a:fld id="{DA86E691-4DA4-48E5-BEB0-C416232A7A24}" type="datetimeFigureOut">
               <a:rPr lang="ru-RU" smtClean="0"/>
-              <a:t>08.04.2020</a:t>
+              <a:t>10.05.2020</a:t>
             </a:fld>
             <a:endParaRPr lang="ru-RU"/>
           </a:p>
@@ -1349,7 +1354,7 @@
           <a:p>
             <a:fld id="{DA86E691-4DA4-48E5-BEB0-C416232A7A24}" type="datetimeFigureOut">
               <a:rPr lang="ru-RU" smtClean="0"/>
-              <a:t>08.04.2020</a:t>
+              <a:t>10.05.2020</a:t>
             </a:fld>
             <a:endParaRPr lang="ru-RU"/>
           </a:p>
@@ -1529,7 +1534,7 @@
           <a:p>
             <a:fld id="{DA86E691-4DA4-48E5-BEB0-C416232A7A24}" type="datetimeFigureOut">
               <a:rPr lang="ru-RU" smtClean="0"/>
-              <a:t>08.04.2020</a:t>
+              <a:t>10.05.2020</a:t>
             </a:fld>
             <a:endParaRPr lang="ru-RU"/>
           </a:p>
@@ -2105,7 +2110,7 @@
           <a:p>
             <a:fld id="{DA86E691-4DA4-48E5-BEB0-C416232A7A24}" type="datetimeFigureOut">
               <a:rPr lang="ru-RU" smtClean="0"/>
-              <a:t>08.04.2020</a:t>
+              <a:t>10.05.2020</a:t>
             </a:fld>
             <a:endParaRPr lang="ru-RU"/>
           </a:p>
@@ -2437,7 +2442,7 @@
           <a:p>
             <a:fld id="{DA86E691-4DA4-48E5-BEB0-C416232A7A24}" type="datetimeFigureOut">
               <a:rPr lang="ru-RU" smtClean="0"/>
-              <a:t>08.04.2020</a:t>
+              <a:t>10.05.2020</a:t>
             </a:fld>
             <a:endParaRPr lang="ru-RU"/>
           </a:p>
@@ -2612,7 +2617,7 @@
           <a:p>
             <a:fld id="{DA86E691-4DA4-48E5-BEB0-C416232A7A24}" type="datetimeFigureOut">
               <a:rPr lang="ru-RU" smtClean="0"/>
-              <a:t>08.04.2020</a:t>
+              <a:t>10.05.2020</a:t>
             </a:fld>
             <a:endParaRPr lang="ru-RU"/>
           </a:p>
@@ -2792,7 +2797,7 @@
           <a:p>
             <a:fld id="{DA86E691-4DA4-48E5-BEB0-C416232A7A24}" type="datetimeFigureOut">
               <a:rPr lang="ru-RU" smtClean="0"/>
-              <a:t>08.04.2020</a:t>
+              <a:t>10.05.2020</a:t>
             </a:fld>
             <a:endParaRPr lang="ru-RU"/>
           </a:p>
@@ -2962,7 +2967,7 @@
           <a:p>
             <a:fld id="{DA86E691-4DA4-48E5-BEB0-C416232A7A24}" type="datetimeFigureOut">
               <a:rPr lang="ru-RU" smtClean="0"/>
-              <a:t>08.04.2020</a:t>
+              <a:t>10.05.2020</a:t>
             </a:fld>
             <a:endParaRPr lang="ru-RU"/>
           </a:p>
@@ -3219,7 +3224,7 @@
           <a:p>
             <a:fld id="{DA86E691-4DA4-48E5-BEB0-C416232A7A24}" type="datetimeFigureOut">
               <a:rPr lang="ru-RU" smtClean="0"/>
-              <a:t>08.04.2020</a:t>
+              <a:t>10.05.2020</a:t>
             </a:fld>
             <a:endParaRPr lang="ru-RU"/>
           </a:p>
@@ -3511,7 +3516,7 @@
           <a:p>
             <a:fld id="{DA86E691-4DA4-48E5-BEB0-C416232A7A24}" type="datetimeFigureOut">
               <a:rPr lang="ru-RU" smtClean="0"/>
-              <a:t>08.04.2020</a:t>
+              <a:t>10.05.2020</a:t>
             </a:fld>
             <a:endParaRPr lang="ru-RU"/>
           </a:p>
@@ -3941,7 +3946,7 @@
           <a:p>
             <a:fld id="{DA86E691-4DA4-48E5-BEB0-C416232A7A24}" type="datetimeFigureOut">
               <a:rPr lang="ru-RU" smtClean="0"/>
-              <a:t>08.04.2020</a:t>
+              <a:t>10.05.2020</a:t>
             </a:fld>
             <a:endParaRPr lang="ru-RU"/>
           </a:p>
@@ -4059,7 +4064,7 @@
           <a:p>
             <a:fld id="{DA86E691-4DA4-48E5-BEB0-C416232A7A24}" type="datetimeFigureOut">
               <a:rPr lang="ru-RU" smtClean="0"/>
-              <a:t>08.04.2020</a:t>
+              <a:t>10.05.2020</a:t>
             </a:fld>
             <a:endParaRPr lang="ru-RU"/>
           </a:p>
@@ -4154,7 +4159,7 @@
           <a:p>
             <a:fld id="{DA86E691-4DA4-48E5-BEB0-C416232A7A24}" type="datetimeFigureOut">
               <a:rPr lang="ru-RU" smtClean="0"/>
-              <a:t>08.04.2020</a:t>
+              <a:t>10.05.2020</a:t>
             </a:fld>
             <a:endParaRPr lang="ru-RU"/>
           </a:p>
@@ -4437,7 +4442,7 @@
           <a:p>
             <a:fld id="{DA86E691-4DA4-48E5-BEB0-C416232A7A24}" type="datetimeFigureOut">
               <a:rPr lang="ru-RU" smtClean="0"/>
-              <a:t>08.04.2020</a:t>
+              <a:t>10.05.2020</a:t>
             </a:fld>
             <a:endParaRPr lang="ru-RU"/>
           </a:p>
@@ -4728,7 +4733,7 @@
           <a:p>
             <a:fld id="{DA86E691-4DA4-48E5-BEB0-C416232A7A24}" type="datetimeFigureOut">
               <a:rPr lang="ru-RU" smtClean="0"/>
-              <a:t>08.04.2020</a:t>
+              <a:t>10.05.2020</a:t>
             </a:fld>
             <a:endParaRPr lang="ru-RU"/>
           </a:p>
@@ -4959,7 +4964,7 @@
           <a:p>
             <a:fld id="{DA86E691-4DA4-48E5-BEB0-C416232A7A24}" type="datetimeFigureOut">
               <a:rPr lang="ru-RU" smtClean="0"/>
-              <a:t>08.04.2020</a:t>
+              <a:t>10.05.2020</a:t>
             </a:fld>
             <a:endParaRPr lang="ru-RU"/>
           </a:p>
@@ -5750,7 +5755,7 @@
           <a:p>
             <a:r>
               <a:rPr lang="ru-RU" dirty="0" err="1" smtClean="0"/>
-              <a:t>Детективчики</a:t>
+              <a:t>Яндекс.детектив</a:t>
             </a:r>
             <a:endParaRPr lang="ru-RU" dirty="0"/>
           </a:p>
@@ -5758,43 +5763,32 @@
       </p:sp>
       <p:pic>
         <p:nvPicPr>
-          <p:cNvPr id="1026" name="Picture 2" descr="https://avatars.mds.yandex.net/get-pdb/1531219/8d05020a-0b17-425b-9647-251a0ef17691/s1200?webp=false"/>
+          <p:cNvPr id="3" name="Рисунок 2"/>
           <p:cNvPicPr>
-            <a:picLocks noChangeAspect="1" noChangeArrowheads="1"/>
+            <a:picLocks noChangeAspect="1"/>
           </p:cNvPicPr>
           <p:nvPr/>
         </p:nvPicPr>
         <p:blipFill>
-          <a:blip r:embed="rId2" cstate="print">
+          <a:blip r:embed="rId2">
             <a:extLst>
               <a:ext uri="{28A0092B-C50C-407E-A947-70E740481C1C}">
                 <a14:useLocalDpi xmlns:a14="http://schemas.microsoft.com/office/drawing/2010/main" val="0"/>
               </a:ext>
             </a:extLst>
           </a:blip>
-          <a:srcRect/>
           <a:stretch>
             <a:fillRect/>
           </a:stretch>
         </p:blipFill>
-        <p:spPr bwMode="auto">
+        <p:spPr>
           <a:xfrm>
-            <a:off x="4385830" y="1690254"/>
-            <a:ext cx="3680571" cy="4779963"/>
+            <a:off x="3904673" y="1784927"/>
+            <a:ext cx="4685145" cy="4685145"/>
           </a:xfrm>
           <a:prstGeom prst="rect">
             <a:avLst/>
           </a:prstGeom>
-          <a:noFill/>
-          <a:extLst>
-            <a:ext uri="{909E8E84-426E-40DD-AFC4-6F175D3DCCD1}">
-              <a14:hiddenFill xmlns:a14="http://schemas.microsoft.com/office/drawing/2010/main">
-                <a:solidFill>
-                  <a:srgbClr val="FFFFFF"/>
-                </a:solidFill>
-              </a14:hiddenFill>
-            </a:ext>
-          </a:extLst>
         </p:spPr>
       </p:pic>
     </p:spTree>
@@ -5855,8 +5849,8 @@
           <a:lstStyle/>
           <a:p>
             <a:r>
-              <a:rPr lang="ru-RU" smtClean="0"/>
-              <a:t>Детективчики</a:t>
+              <a:rPr lang="ru-RU" dirty="0" err="1"/>
+              <a:t>Яндекс.детектив</a:t>
             </a:r>
             <a:endParaRPr lang="ru-RU" dirty="0"/>
           </a:p>
@@ -6010,8 +6004,8 @@
           <a:lstStyle/>
           <a:p>
             <a:r>
-              <a:rPr lang="ru-RU" smtClean="0"/>
-              <a:t>Детективчики</a:t>
+              <a:rPr lang="ru-RU" dirty="0" err="1"/>
+              <a:t>Яндекс.детектив</a:t>
             </a:r>
             <a:endParaRPr lang="ru-RU" dirty="0"/>
           </a:p>
@@ -6116,8 +6110,8 @@
           <a:lstStyle/>
           <a:p>
             <a:r>
-              <a:rPr lang="ru-RU" dirty="0" err="1" smtClean="0"/>
-              <a:t>Детективчики</a:t>
+              <a:rPr lang="ru-RU" dirty="0" err="1"/>
+              <a:t>Яндекс.детектив</a:t>
             </a:r>
             <a:endParaRPr lang="ru-RU" dirty="0"/>
           </a:p>
@@ -6321,8 +6315,8 @@
           <a:lstStyle/>
           <a:p>
             <a:r>
-              <a:rPr lang="ru-RU" dirty="0" err="1" smtClean="0"/>
-              <a:t>Детективчики</a:t>
+              <a:rPr lang="ru-RU" dirty="0" err="1"/>
+              <a:t>Яндекс.детектив</a:t>
             </a:r>
             <a:endParaRPr lang="ru-RU" dirty="0"/>
           </a:p>
@@ -6410,8 +6404,8 @@
           <a:lstStyle/>
           <a:p>
             <a:r>
-              <a:rPr lang="ru-RU" dirty="0" err="1" smtClean="0"/>
-              <a:t>Детективчики</a:t>
+              <a:rPr lang="ru-RU" dirty="0" err="1"/>
+              <a:t>Яндекс.детектив</a:t>
             </a:r>
             <a:endParaRPr lang="ru-RU" dirty="0"/>
           </a:p>
@@ -6499,8 +6493,8 @@
           <a:lstStyle/>
           <a:p>
             <a:r>
-              <a:rPr lang="ru-RU" dirty="0" err="1" smtClean="0"/>
-              <a:t>Детективчики</a:t>
+              <a:rPr lang="ru-RU" dirty="0" err="1"/>
+              <a:t>Яндекс.детектив</a:t>
             </a:r>
             <a:endParaRPr lang="ru-RU" dirty="0"/>
           </a:p>
@@ -6740,8 +6734,8 @@
           <a:lstStyle/>
           <a:p>
             <a:r>
-              <a:rPr lang="ru-RU" smtClean="0"/>
-              <a:t>Детективчики</a:t>
+              <a:rPr lang="ru-RU" dirty="0" err="1"/>
+              <a:t>Яндекс.детектив</a:t>
             </a:r>
             <a:endParaRPr lang="ru-RU" dirty="0"/>
           </a:p>
@@ -6987,8 +6981,8 @@
           <a:lstStyle/>
           <a:p>
             <a:r>
-              <a:rPr lang="ru-RU" smtClean="0"/>
-              <a:t>Детективчики</a:t>
+              <a:rPr lang="ru-RU" dirty="0" err="1"/>
+              <a:t>Яндекс.детектив</a:t>
             </a:r>
             <a:endParaRPr lang="ru-RU" dirty="0"/>
           </a:p>
@@ -7162,8 +7156,8 @@
           <a:lstStyle/>
           <a:p>
             <a:r>
-              <a:rPr lang="ru-RU" smtClean="0"/>
-              <a:t>Детективчики</a:t>
+              <a:rPr lang="ru-RU" dirty="0" err="1"/>
+              <a:t>Яндекс.детектив</a:t>
             </a:r>
             <a:endParaRPr lang="ru-RU" dirty="0"/>
           </a:p>
@@ -7347,8 +7341,8 @@
           <a:lstStyle/>
           <a:p>
             <a:r>
-              <a:rPr lang="ru-RU" smtClean="0"/>
-              <a:t>Детективчики</a:t>
+              <a:rPr lang="ru-RU" dirty="0" err="1"/>
+              <a:t>Яндекс.детектив</a:t>
             </a:r>
             <a:endParaRPr lang="ru-RU" dirty="0"/>
           </a:p>

--- a/Детективы.pptx
+++ b/Детективы.pptx
@@ -5801,6 +5801,14 @@
   <p:clrMapOvr>
     <a:masterClrMapping/>
   </p:clrMapOvr>
+  <mc:AlternateContent xmlns:mc="http://schemas.openxmlformats.org/markup-compatibility/2006">
+    <mc:Choice xmlns:p14="http://schemas.microsoft.com/office/powerpoint/2010/main" Requires="p14">
+      <p:transition spd="slow" p14:dur="2000"/>
+    </mc:Choice>
+    <mc:Fallback>
+      <p:transition spd="slow"/>
+    </mc:Fallback>
+  </mc:AlternateContent>
   <p:timing>
     <p:tnLst>
       <p:par>
@@ -5956,6 +5964,14 @@
   <p:clrMapOvr>
     <a:masterClrMapping/>
   </p:clrMapOvr>
+  <mc:AlternateContent xmlns:mc="http://schemas.openxmlformats.org/markup-compatibility/2006">
+    <mc:Choice xmlns:p14="http://schemas.microsoft.com/office/powerpoint/2010/main" Requires="p14">
+      <p:transition spd="slow" p14:dur="2000"/>
+    </mc:Choice>
+    <mc:Fallback>
+      <p:transition spd="slow"/>
+    </mc:Fallback>
+  </mc:AlternateContent>
   <p:timing>
     <p:tnLst>
       <p:par>
@@ -6062,6 +6078,14 @@
   <p:clrMapOvr>
     <a:masterClrMapping/>
   </p:clrMapOvr>
+  <mc:AlternateContent xmlns:mc="http://schemas.openxmlformats.org/markup-compatibility/2006">
+    <mc:Choice xmlns:p14="http://schemas.microsoft.com/office/powerpoint/2010/main" Requires="p14">
+      <p:transition spd="slow" p14:dur="2000"/>
+    </mc:Choice>
+    <mc:Fallback>
+      <p:transition spd="slow"/>
+    </mc:Fallback>
+  </mc:AlternateContent>
   <p:timing>
     <p:tnLst>
       <p:par>
@@ -6110,7 +6134,7 @@
           <a:lstStyle/>
           <a:p>
             <a:r>
-              <a:rPr lang="ru-RU" dirty="0" err="1"/>
+              <a:rPr lang="ru-RU" dirty="0" err="1" smtClean="0"/>
               <a:t>Яндекс.детектив</a:t>
             </a:r>
             <a:endParaRPr lang="ru-RU" dirty="0"/>
@@ -6267,6 +6291,14 @@
   <p:clrMapOvr>
     <a:masterClrMapping/>
   </p:clrMapOvr>
+  <mc:AlternateContent xmlns:mc="http://schemas.openxmlformats.org/markup-compatibility/2006">
+    <mc:Choice xmlns:p14="http://schemas.microsoft.com/office/powerpoint/2010/main" Requires="p14">
+      <p:transition spd="slow" p14:dur="2000"/>
+    </mc:Choice>
+    <mc:Fallback>
+      <p:transition spd="slow"/>
+    </mc:Fallback>
+  </mc:AlternateContent>
   <p:timing>
     <p:tnLst>
       <p:par>
@@ -6356,6 +6388,14 @@
   <p:clrMapOvr>
     <a:masterClrMapping/>
   </p:clrMapOvr>
+  <mc:AlternateContent xmlns:mc="http://schemas.openxmlformats.org/markup-compatibility/2006">
+    <mc:Choice xmlns:p14="http://schemas.microsoft.com/office/powerpoint/2010/main" Requires="p14">
+      <p:transition spd="slow" p14:dur="2000"/>
+    </mc:Choice>
+    <mc:Fallback>
+      <p:transition spd="slow"/>
+    </mc:Fallback>
+  </mc:AlternateContent>
   <p:timing>
     <p:tnLst>
       <p:par>
@@ -6445,6 +6485,14 @@
   <p:clrMapOvr>
     <a:masterClrMapping/>
   </p:clrMapOvr>
+  <mc:AlternateContent xmlns:mc="http://schemas.openxmlformats.org/markup-compatibility/2006">
+    <mc:Choice xmlns:p14="http://schemas.microsoft.com/office/powerpoint/2010/main" Requires="p14">
+      <p:transition spd="slow" p14:dur="2000"/>
+    </mc:Choice>
+    <mc:Fallback>
+      <p:transition spd="slow"/>
+    </mc:Fallback>
+  </mc:AlternateContent>
   <p:timing>
     <p:tnLst>
       <p:par>
@@ -6509,7 +6557,7 @@
         <p:spPr>
           <a:xfrm>
             <a:off x="1422401" y="1154546"/>
-            <a:ext cx="9827489" cy="5632311"/>
+            <a:ext cx="9827489" cy="5078313"/>
           </a:xfrm>
           <a:prstGeom prst="rect">
             <a:avLst/>
@@ -6611,13 +6659,13 @@
               <a:t>Для этого можно использовать </a:t>
             </a:r>
             <a:r>
-              <a:rPr lang="en-US" sz="3600" dirty="0" err="1" smtClean="0">
+              <a:rPr lang="ru-RU" sz="3600" dirty="0" smtClean="0">
                 <a:solidFill>
                   <a:schemeClr val="tx2"/>
                 </a:solidFill>
                 <a:latin typeface="-apple-system"/>
               </a:rPr>
-              <a:t>MapAPI</a:t>
+              <a:t>различные </a:t>
             </a:r>
             <a:r>
               <a:rPr lang="en-US" sz="3600" dirty="0" smtClean="0">
@@ -6626,53 +6674,14 @@
                 </a:solidFill>
                 <a:latin typeface="-apple-system"/>
               </a:rPr>
-              <a:t>, </a:t>
-            </a:r>
-            <a:r>
-              <a:rPr lang="en-US" sz="3600" dirty="0" err="1" smtClean="0">
-                <a:solidFill>
-                  <a:schemeClr val="tx2"/>
-                </a:solidFill>
-                <a:latin typeface="-apple-system"/>
-              </a:rPr>
-              <a:t>QRCode</a:t>
-            </a:r>
-            <a:r>
-              <a:rPr lang="en-US" sz="3600" dirty="0" smtClean="0">
-                <a:solidFill>
-                  <a:schemeClr val="tx2"/>
-                </a:solidFill>
-                <a:latin typeface="-apple-system"/>
-              </a:rPr>
-              <a:t> API, </a:t>
-            </a:r>
-            <a:r>
-              <a:rPr lang="en-US" sz="3600" dirty="0" err="1" smtClean="0">
-                <a:solidFill>
-                  <a:schemeClr val="tx2"/>
-                </a:solidFill>
-                <a:latin typeface="-apple-system"/>
-              </a:rPr>
-              <a:t>TranslateAPI</a:t>
-            </a:r>
-            <a:r>
-              <a:rPr lang="en-US" sz="3600" dirty="0" smtClean="0">
-                <a:solidFill>
-                  <a:schemeClr val="tx2"/>
-                </a:solidFill>
-                <a:latin typeface="-apple-system"/>
-              </a:rPr>
-              <a:t>, API </a:t>
-            </a:r>
-            <a:r>
-              <a:rPr lang="ru-RU" sz="3600" dirty="0" smtClean="0">
-                <a:solidFill>
-                  <a:schemeClr val="tx2"/>
-                </a:solidFill>
-                <a:latin typeface="-apple-system"/>
-              </a:rPr>
-              <a:t>Яндекс Погоды</a:t>
-            </a:r>
+              <a:t>API</a:t>
+            </a:r>
+            <a:endParaRPr lang="ru-RU" sz="3600" dirty="0" smtClean="0">
+              <a:solidFill>
+                <a:schemeClr val="tx2"/>
+              </a:solidFill>
+              <a:latin typeface="-apple-system"/>
+            </a:endParaRPr>
           </a:p>
         </p:txBody>
       </p:sp>
@@ -6686,6 +6695,14 @@
   <p:clrMapOvr>
     <a:masterClrMapping/>
   </p:clrMapOvr>
+  <mc:AlternateContent xmlns:mc="http://schemas.openxmlformats.org/markup-compatibility/2006">
+    <mc:Choice xmlns:p14="http://schemas.microsoft.com/office/powerpoint/2010/main" Requires="p14">
+      <p:transition spd="slow" p14:dur="2000"/>
+    </mc:Choice>
+    <mc:Fallback>
+      <p:transition spd="slow"/>
+    </mc:Fallback>
+  </mc:AlternateContent>
   <p:timing>
     <p:tnLst>
       <p:par>
@@ -6933,6 +6950,14 @@
   <p:clrMapOvr>
     <a:masterClrMapping/>
   </p:clrMapOvr>
+  <mc:AlternateContent xmlns:mc="http://schemas.openxmlformats.org/markup-compatibility/2006">
+    <mc:Choice xmlns:p14="http://schemas.microsoft.com/office/powerpoint/2010/main" Requires="p14">
+      <p:transition spd="slow" p14:dur="2000"/>
+    </mc:Choice>
+    <mc:Fallback>
+      <p:transition spd="slow"/>
+    </mc:Fallback>
+  </mc:AlternateContent>
   <p:timing>
     <p:tnLst>
       <p:par>
@@ -7108,6 +7133,14 @@
   <p:clrMapOvr>
     <a:masterClrMapping/>
   </p:clrMapOvr>
+  <mc:AlternateContent xmlns:mc="http://schemas.openxmlformats.org/markup-compatibility/2006">
+    <mc:Choice xmlns:p14="http://schemas.microsoft.com/office/powerpoint/2010/main" Requires="p14">
+      <p:transition spd="slow" p14:dur="2000"/>
+    </mc:Choice>
+    <mc:Fallback>
+      <p:transition spd="slow"/>
+    </mc:Fallback>
+  </mc:AlternateContent>
   <p:timing>
     <p:tnLst>
       <p:par>
@@ -7293,6 +7326,14 @@
   <p:clrMapOvr>
     <a:masterClrMapping/>
   </p:clrMapOvr>
+  <mc:AlternateContent xmlns:mc="http://schemas.openxmlformats.org/markup-compatibility/2006">
+    <mc:Choice xmlns:p14="http://schemas.microsoft.com/office/powerpoint/2010/main" Requires="p14">
+      <p:transition spd="slow" p14:dur="2000"/>
+    </mc:Choice>
+    <mc:Fallback>
+      <p:transition spd="slow"/>
+    </mc:Fallback>
+  </mc:AlternateContent>
   <p:timing>
     <p:tnLst>
       <p:par>
@@ -7482,6 +7523,14 @@
   <p:clrMapOvr>
     <a:masterClrMapping/>
   </p:clrMapOvr>
+  <mc:AlternateContent xmlns:mc="http://schemas.openxmlformats.org/markup-compatibility/2006">
+    <mc:Choice xmlns:p14="http://schemas.microsoft.com/office/powerpoint/2010/main" Requires="p14">
+      <p:transition spd="slow" p14:dur="2000"/>
+    </mc:Choice>
+    <mc:Fallback>
+      <p:transition spd="slow"/>
+    </mc:Fallback>
+  </mc:AlternateContent>
   <p:timing>
     <p:tnLst>
       <p:par>
